--- a/Theory Class-Notes/Complete Syllabus and Notes/All Modules.pptx
+++ b/Theory Class-Notes/Complete Syllabus and Notes/All Modules.pptx
@@ -266,7 +266,7 @@
           <a:p>
             <a:fld id="{255AFD43-590C-4F45-A563-A8DA3475AFDC}" type="datetimeFigureOut">
               <a:rPr lang="en-US" smtClean="0"/>
-              <a:t>9/11/2024</a:t>
+              <a:t>9/18/2024</a:t>
             </a:fld>
             <a:endParaRPr lang="en-US"/>
           </a:p>
@@ -464,7 +464,7 @@
           <a:p>
             <a:fld id="{255AFD43-590C-4F45-A563-A8DA3475AFDC}" type="datetimeFigureOut">
               <a:rPr lang="en-US" smtClean="0"/>
-              <a:t>9/11/2024</a:t>
+              <a:t>9/18/2024</a:t>
             </a:fld>
             <a:endParaRPr lang="en-US"/>
           </a:p>
@@ -672,7 +672,7 @@
           <a:p>
             <a:fld id="{255AFD43-590C-4F45-A563-A8DA3475AFDC}" type="datetimeFigureOut">
               <a:rPr lang="en-US" smtClean="0"/>
-              <a:t>9/11/2024</a:t>
+              <a:t>9/18/2024</a:t>
             </a:fld>
             <a:endParaRPr lang="en-US"/>
           </a:p>
@@ -870,7 +870,7 @@
           <a:p>
             <a:fld id="{255AFD43-590C-4F45-A563-A8DA3475AFDC}" type="datetimeFigureOut">
               <a:rPr lang="en-US" smtClean="0"/>
-              <a:t>9/11/2024</a:t>
+              <a:t>9/18/2024</a:t>
             </a:fld>
             <a:endParaRPr lang="en-US"/>
           </a:p>
@@ -1145,7 +1145,7 @@
           <a:p>
             <a:fld id="{255AFD43-590C-4F45-A563-A8DA3475AFDC}" type="datetimeFigureOut">
               <a:rPr lang="en-US" smtClean="0"/>
-              <a:t>9/11/2024</a:t>
+              <a:t>9/18/2024</a:t>
             </a:fld>
             <a:endParaRPr lang="en-US"/>
           </a:p>
@@ -1410,7 +1410,7 @@
           <a:p>
             <a:fld id="{255AFD43-590C-4F45-A563-A8DA3475AFDC}" type="datetimeFigureOut">
               <a:rPr lang="en-US" smtClean="0"/>
-              <a:t>9/11/2024</a:t>
+              <a:t>9/18/2024</a:t>
             </a:fld>
             <a:endParaRPr lang="en-US"/>
           </a:p>
@@ -1822,7 +1822,7 @@
           <a:p>
             <a:fld id="{255AFD43-590C-4F45-A563-A8DA3475AFDC}" type="datetimeFigureOut">
               <a:rPr lang="en-US" smtClean="0"/>
-              <a:t>9/11/2024</a:t>
+              <a:t>9/18/2024</a:t>
             </a:fld>
             <a:endParaRPr lang="en-US"/>
           </a:p>
@@ -1963,7 +1963,7 @@
           <a:p>
             <a:fld id="{255AFD43-590C-4F45-A563-A8DA3475AFDC}" type="datetimeFigureOut">
               <a:rPr lang="en-US" smtClean="0"/>
-              <a:t>9/11/2024</a:t>
+              <a:t>9/18/2024</a:t>
             </a:fld>
             <a:endParaRPr lang="en-US"/>
           </a:p>
@@ -2076,7 +2076,7 @@
           <a:p>
             <a:fld id="{255AFD43-590C-4F45-A563-A8DA3475AFDC}" type="datetimeFigureOut">
               <a:rPr lang="en-US" smtClean="0"/>
-              <a:t>9/11/2024</a:t>
+              <a:t>9/18/2024</a:t>
             </a:fld>
             <a:endParaRPr lang="en-US"/>
           </a:p>
@@ -2387,7 +2387,7 @@
           <a:p>
             <a:fld id="{255AFD43-590C-4F45-A563-A8DA3475AFDC}" type="datetimeFigureOut">
               <a:rPr lang="en-US" smtClean="0"/>
-              <a:t>9/11/2024</a:t>
+              <a:t>9/18/2024</a:t>
             </a:fld>
             <a:endParaRPr lang="en-US"/>
           </a:p>
@@ -2675,7 +2675,7 @@
           <a:p>
             <a:fld id="{255AFD43-590C-4F45-A563-A8DA3475AFDC}" type="datetimeFigureOut">
               <a:rPr lang="en-US" smtClean="0"/>
-              <a:t>9/11/2024</a:t>
+              <a:t>9/18/2024</a:t>
             </a:fld>
             <a:endParaRPr lang="en-US"/>
           </a:p>
@@ -2916,7 +2916,7 @@
           <a:p>
             <a:fld id="{255AFD43-590C-4F45-A563-A8DA3475AFDC}" type="datetimeFigureOut">
               <a:rPr lang="en-US" smtClean="0"/>
-              <a:t>9/11/2024</a:t>
+              <a:t>9/18/2024</a:t>
             </a:fld>
             <a:endParaRPr lang="en-US"/>
           </a:p>
@@ -4513,7 +4513,7 @@
             </a:r>
             <a:r>
               <a:rPr lang="en-US" dirty="0"/>
-              <a:t>Write a Java program to implement Innes class and demonstrate its Access protection.</a:t>
+              <a:t>Write a Java program to implement Inner class and demonstrate its Access protection.</a:t>
             </a:r>
           </a:p>
           <a:p>
@@ -4608,7 +4608,7 @@
             </a:r>
             <a:r>
               <a:rPr lang="en-US" b="1" dirty="0"/>
-              <a:t>Inheritance</a:t>
+              <a:t>Inheritance.</a:t>
             </a:r>
             <a:r>
               <a:rPr lang="en-US" dirty="0"/>

--- a/Theory Class-Notes/Complete Syllabus and Notes/All Modules.pptx
+++ b/Theory Class-Notes/Complete Syllabus and Notes/All Modules.pptx
@@ -266,7 +266,7 @@
           <a:p>
             <a:fld id="{255AFD43-590C-4F45-A563-A8DA3475AFDC}" type="datetimeFigureOut">
               <a:rPr lang="en-US" smtClean="0"/>
-              <a:t>9/18/2024</a:t>
+              <a:t>9/19/2024</a:t>
             </a:fld>
             <a:endParaRPr lang="en-US"/>
           </a:p>
@@ -464,7 +464,7 @@
           <a:p>
             <a:fld id="{255AFD43-590C-4F45-A563-A8DA3475AFDC}" type="datetimeFigureOut">
               <a:rPr lang="en-US" smtClean="0"/>
-              <a:t>9/18/2024</a:t>
+              <a:t>9/19/2024</a:t>
             </a:fld>
             <a:endParaRPr lang="en-US"/>
           </a:p>
@@ -672,7 +672,7 @@
           <a:p>
             <a:fld id="{255AFD43-590C-4F45-A563-A8DA3475AFDC}" type="datetimeFigureOut">
               <a:rPr lang="en-US" smtClean="0"/>
-              <a:t>9/18/2024</a:t>
+              <a:t>9/19/2024</a:t>
             </a:fld>
             <a:endParaRPr lang="en-US"/>
           </a:p>
@@ -870,7 +870,7 @@
           <a:p>
             <a:fld id="{255AFD43-590C-4F45-A563-A8DA3475AFDC}" type="datetimeFigureOut">
               <a:rPr lang="en-US" smtClean="0"/>
-              <a:t>9/18/2024</a:t>
+              <a:t>9/19/2024</a:t>
             </a:fld>
             <a:endParaRPr lang="en-US"/>
           </a:p>
@@ -1145,7 +1145,7 @@
           <a:p>
             <a:fld id="{255AFD43-590C-4F45-A563-A8DA3475AFDC}" type="datetimeFigureOut">
               <a:rPr lang="en-US" smtClean="0"/>
-              <a:t>9/18/2024</a:t>
+              <a:t>9/19/2024</a:t>
             </a:fld>
             <a:endParaRPr lang="en-US"/>
           </a:p>
@@ -1410,7 +1410,7 @@
           <a:p>
             <a:fld id="{255AFD43-590C-4F45-A563-A8DA3475AFDC}" type="datetimeFigureOut">
               <a:rPr lang="en-US" smtClean="0"/>
-              <a:t>9/18/2024</a:t>
+              <a:t>9/19/2024</a:t>
             </a:fld>
             <a:endParaRPr lang="en-US"/>
           </a:p>
@@ -1822,7 +1822,7 @@
           <a:p>
             <a:fld id="{255AFD43-590C-4F45-A563-A8DA3475AFDC}" type="datetimeFigureOut">
               <a:rPr lang="en-US" smtClean="0"/>
-              <a:t>9/18/2024</a:t>
+              <a:t>9/19/2024</a:t>
             </a:fld>
             <a:endParaRPr lang="en-US"/>
           </a:p>
@@ -1963,7 +1963,7 @@
           <a:p>
             <a:fld id="{255AFD43-590C-4F45-A563-A8DA3475AFDC}" type="datetimeFigureOut">
               <a:rPr lang="en-US" smtClean="0"/>
-              <a:t>9/18/2024</a:t>
+              <a:t>9/19/2024</a:t>
             </a:fld>
             <a:endParaRPr lang="en-US"/>
           </a:p>
@@ -2076,7 +2076,7 @@
           <a:p>
             <a:fld id="{255AFD43-590C-4F45-A563-A8DA3475AFDC}" type="datetimeFigureOut">
               <a:rPr lang="en-US" smtClean="0"/>
-              <a:t>9/18/2024</a:t>
+              <a:t>9/19/2024</a:t>
             </a:fld>
             <a:endParaRPr lang="en-US"/>
           </a:p>
@@ -2387,7 +2387,7 @@
           <a:p>
             <a:fld id="{255AFD43-590C-4F45-A563-A8DA3475AFDC}" type="datetimeFigureOut">
               <a:rPr lang="en-US" smtClean="0"/>
-              <a:t>9/18/2024</a:t>
+              <a:t>9/19/2024</a:t>
             </a:fld>
             <a:endParaRPr lang="en-US"/>
           </a:p>
@@ -2675,7 +2675,7 @@
           <a:p>
             <a:fld id="{255AFD43-590C-4F45-A563-A8DA3475AFDC}" type="datetimeFigureOut">
               <a:rPr lang="en-US" smtClean="0"/>
-              <a:t>9/18/2024</a:t>
+              <a:t>9/19/2024</a:t>
             </a:fld>
             <a:endParaRPr lang="en-US"/>
           </a:p>
@@ -2916,7 +2916,7 @@
           <a:p>
             <a:fld id="{255AFD43-590C-4F45-A563-A8DA3475AFDC}" type="datetimeFigureOut">
               <a:rPr lang="en-US" smtClean="0"/>
-              <a:t>9/18/2024</a:t>
+              <a:t>9/19/2024</a:t>
             </a:fld>
             <a:endParaRPr lang="en-US"/>
           </a:p>
@@ -4532,7 +4532,19 @@
             </a:r>
             <a:r>
               <a:rPr lang="en-US" dirty="0"/>
-              <a:t>Write a Java program to demonstrate Constructor Overloading and Method Overloading</a:t>
+              <a:t>Write a Java program to demonstrate </a:t>
+            </a:r>
+            <a:r>
+              <a:rPr lang="en-US" b="1" dirty="0"/>
+              <a:t>Constructor Overloading </a:t>
+            </a:r>
+            <a:r>
+              <a:rPr lang="en-US" dirty="0"/>
+              <a:t>and </a:t>
+            </a:r>
+            <a:r>
+              <a:rPr lang="en-US" b="1" dirty="0"/>
+              <a:t>Method Overloading</a:t>
             </a:r>
           </a:p>
         </p:txBody>

--- a/Theory Class-Notes/Complete Syllabus and Notes/All Modules.pptx
+++ b/Theory Class-Notes/Complete Syllabus and Notes/All Modules.pptx
@@ -266,7 +266,7 @@
           <a:p>
             <a:fld id="{255AFD43-590C-4F45-A563-A8DA3475AFDC}" type="datetimeFigureOut">
               <a:rPr lang="en-US" smtClean="0"/>
-              <a:t>9/19/2024</a:t>
+              <a:t>9/28/2024</a:t>
             </a:fld>
             <a:endParaRPr lang="en-US"/>
           </a:p>
@@ -464,7 +464,7 @@
           <a:p>
             <a:fld id="{255AFD43-590C-4F45-A563-A8DA3475AFDC}" type="datetimeFigureOut">
               <a:rPr lang="en-US" smtClean="0"/>
-              <a:t>9/19/2024</a:t>
+              <a:t>9/28/2024</a:t>
             </a:fld>
             <a:endParaRPr lang="en-US"/>
           </a:p>
@@ -672,7 +672,7 @@
           <a:p>
             <a:fld id="{255AFD43-590C-4F45-A563-A8DA3475AFDC}" type="datetimeFigureOut">
               <a:rPr lang="en-US" smtClean="0"/>
-              <a:t>9/19/2024</a:t>
+              <a:t>9/28/2024</a:t>
             </a:fld>
             <a:endParaRPr lang="en-US"/>
           </a:p>
@@ -870,7 +870,7 @@
           <a:p>
             <a:fld id="{255AFD43-590C-4F45-A563-A8DA3475AFDC}" type="datetimeFigureOut">
               <a:rPr lang="en-US" smtClean="0"/>
-              <a:t>9/19/2024</a:t>
+              <a:t>9/28/2024</a:t>
             </a:fld>
             <a:endParaRPr lang="en-US"/>
           </a:p>
@@ -1145,7 +1145,7 @@
           <a:p>
             <a:fld id="{255AFD43-590C-4F45-A563-A8DA3475AFDC}" type="datetimeFigureOut">
               <a:rPr lang="en-US" smtClean="0"/>
-              <a:t>9/19/2024</a:t>
+              <a:t>9/28/2024</a:t>
             </a:fld>
             <a:endParaRPr lang="en-US"/>
           </a:p>
@@ -1410,7 +1410,7 @@
           <a:p>
             <a:fld id="{255AFD43-590C-4F45-A563-A8DA3475AFDC}" type="datetimeFigureOut">
               <a:rPr lang="en-US" smtClean="0"/>
-              <a:t>9/19/2024</a:t>
+              <a:t>9/28/2024</a:t>
             </a:fld>
             <a:endParaRPr lang="en-US"/>
           </a:p>
@@ -1822,7 +1822,7 @@
           <a:p>
             <a:fld id="{255AFD43-590C-4F45-A563-A8DA3475AFDC}" type="datetimeFigureOut">
               <a:rPr lang="en-US" smtClean="0"/>
-              <a:t>9/19/2024</a:t>
+              <a:t>9/28/2024</a:t>
             </a:fld>
             <a:endParaRPr lang="en-US"/>
           </a:p>
@@ -1963,7 +1963,7 @@
           <a:p>
             <a:fld id="{255AFD43-590C-4F45-A563-A8DA3475AFDC}" type="datetimeFigureOut">
               <a:rPr lang="en-US" smtClean="0"/>
-              <a:t>9/19/2024</a:t>
+              <a:t>9/28/2024</a:t>
             </a:fld>
             <a:endParaRPr lang="en-US"/>
           </a:p>
@@ -2076,7 +2076,7 @@
           <a:p>
             <a:fld id="{255AFD43-590C-4F45-A563-A8DA3475AFDC}" type="datetimeFigureOut">
               <a:rPr lang="en-US" smtClean="0"/>
-              <a:t>9/19/2024</a:t>
+              <a:t>9/28/2024</a:t>
             </a:fld>
             <a:endParaRPr lang="en-US"/>
           </a:p>
@@ -2387,7 +2387,7 @@
           <a:p>
             <a:fld id="{255AFD43-590C-4F45-A563-A8DA3475AFDC}" type="datetimeFigureOut">
               <a:rPr lang="en-US" smtClean="0"/>
-              <a:t>9/19/2024</a:t>
+              <a:t>9/28/2024</a:t>
             </a:fld>
             <a:endParaRPr lang="en-US"/>
           </a:p>
@@ -2675,7 +2675,7 @@
           <a:p>
             <a:fld id="{255AFD43-590C-4F45-A563-A8DA3475AFDC}" type="datetimeFigureOut">
               <a:rPr lang="en-US" smtClean="0"/>
-              <a:t>9/19/2024</a:t>
+              <a:t>9/28/2024</a:t>
             </a:fld>
             <a:endParaRPr lang="en-US"/>
           </a:p>
@@ -2916,7 +2916,7 @@
           <a:p>
             <a:fld id="{255AFD43-590C-4F45-A563-A8DA3475AFDC}" type="datetimeFigureOut">
               <a:rPr lang="en-US" smtClean="0"/>
-              <a:t>9/19/2024</a:t>
+              <a:t>9/28/2024</a:t>
             </a:fld>
             <a:endParaRPr lang="en-US"/>
           </a:p>
@@ -4490,11 +4490,11 @@
             </a:pPr>
             <a:r>
               <a:rPr lang="en-US" b="1" dirty="0"/>
-              <a:t>4. </a:t>
+              <a:t>4</a:t>
             </a:r>
             <a:r>
               <a:rPr lang="en-US" dirty="0"/>
-              <a:t>Write a Java program to demonstrate a division by zero exception.</a:t>
+              <a:t>. Write a Java program to demonstrate a division by zero exception.</a:t>
             </a:r>
           </a:p>
           <a:p>
